--- a/Project_Insights_File.pptx
+++ b/Project_Insights_File.pptx
@@ -8704,8 +8704,13 @@
             </a:r>
             <a:r>
               <a:rPr lang="en-IN" sz="2000" dirty="0"/>
-              <a:t>. Reduce the existing response time for within SLA and below SLA time. Map the SLA time for competitors and devise a strategy accordingly. (What competitors are doing?/How they are handling customer problems?).</a:t>
+              <a:t>. Reduce the existing response time for within SLA and below SLA time. Map the SLA time for competitors and devise a strategy accordingly. (What competitors are doing?/How they are handling customer </a:t>
             </a:r>
+            <a:r>
+              <a:rPr lang="en-IN" sz="2000"/>
+              <a:t>problems?)</a:t>
+            </a:r>
+            <a:endParaRPr lang="en-IN" sz="2000" dirty="0"/>
           </a:p>
           <a:p>
             <a:endParaRPr lang="en-IN" sz="2000" dirty="0"/>

--- a/Project_Insights_File.pptx
+++ b/Project_Insights_File.pptx
@@ -8619,7 +8619,11 @@
           <a:p>
             <a:r>
               <a:rPr lang="en-US" sz="4000" b="1" dirty="0"/>
-              <a:t>Recommendation to Nile’s -</a:t>
+              <a:t>Recommendation </a:t>
+            </a:r>
+            <a:r>
+              <a:rPr lang="en-US" sz="4000" b="1"/>
+              <a:t>to Nile-</a:t>
             </a:r>
             <a:endParaRPr lang="en-IN" sz="4000" b="1" dirty="0"/>
           </a:p>
